--- a/backend-service/python/template.pptx
+++ b/backend-service/python/template.pptx
@@ -31,7 +31,7 @@
       </p:grpSpPr>
       <p:sp>
         <p:nvSpPr>
-          <p:cNvPr id="7" name="PlaceHolder 1"/>
+          <p:cNvPr id="6" name="PlaceHolder 1"/>
           <p:cNvSpPr>
             <a:spLocks noGrp="1"/>
           </p:cNvSpPr>
@@ -41,8 +41,8 @@
         </p:nvSpPr>
         <p:spPr>
           <a:xfrm>
-            <a:off x="388080" y="133200"/>
-            <a:ext cx="6994800" cy="2212920"/>
+            <a:off x="388080" y="926640"/>
+            <a:ext cx="6994440" cy="625320"/>
           </a:xfrm>
           <a:prstGeom prst="rect">
             <a:avLst/>
@@ -60,7 +60,7 @@
             <a:pPr indent="0" algn="ctr">
               <a:buNone/>
             </a:pPr>
-            <a:endParaRPr b="0" lang="en-CA" sz="7790" strike="noStrike" u="none">
+            <a:endParaRPr b="0" lang="en-CA" sz="4400" strike="noStrike" u="none">
               <a:solidFill>
                 <a:srgbClr val="000000"/>
               </a:solidFill>
@@ -73,7 +73,7 @@
       </p:sp>
       <p:sp>
         <p:nvSpPr>
-          <p:cNvPr id="8" name="PlaceHolder 2"/>
+          <p:cNvPr id="7" name="PlaceHolder 2"/>
           <p:cNvSpPr>
             <a:spLocks noGrp="1"/>
           </p:cNvSpPr>
@@ -83,7 +83,7 @@
         </p:nvSpPr>
         <p:spPr>
           <a:xfrm>
-            <a:off x="388080" y="2351880"/>
+            <a:off x="388440" y="2353320"/>
             <a:ext cx="6994800" cy="5833440"/>
           </a:xfrm>
           <a:prstGeom prst="rect">
@@ -120,7 +120,7 @@
             <a:spLocks noGrp="1"/>
           </p:cNvSpPr>
           <p:nvPr>
-            <p:ph type="ftr" idx="2"/>
+            <p:ph type="ftr" idx="1"/>
           </p:nvPr>
         </p:nvSpPr>
         <p:spPr/>
@@ -140,14 +140,14 @@
             <a:spLocks noGrp="1"/>
           </p:cNvSpPr>
           <p:nvPr>
-            <p:ph type="sldNum" idx="3"/>
+            <p:ph type="sldNum" idx="2"/>
           </p:nvPr>
         </p:nvSpPr>
         <p:spPr/>
         <p:txBody>
           <a:bodyPr/>
           <a:p>
-            <a:fld id="{C3BAB1D7-F681-4305-A915-BC1EC137C561}" type="slidenum">
+            <a:fld id="{4E32E24E-BA37-42C2-9CAA-606490FDCC2E}" type="slidenum">
               <a:t>&lt;#&gt;</a:t>
             </a:fld>
           </a:p>
@@ -160,7 +160,7 @@
             <a:spLocks noGrp="1"/>
           </p:cNvSpPr>
           <p:nvPr>
-            <p:ph type="dt" idx="1"/>
+            <p:ph type="dt" idx="3"/>
           </p:nvPr>
         </p:nvSpPr>
         <p:spPr/>
@@ -208,8 +208,8 @@
         </p:nvSpPr>
         <p:spPr>
           <a:xfrm>
-            <a:off x="388080" y="399960"/>
-            <a:ext cx="6994800" cy="1679400"/>
+            <a:off x="388080" y="1101960"/>
+            <a:ext cx="6994440" cy="274680"/>
           </a:xfrm>
           <a:prstGeom prst="rect">
             <a:avLst/>
@@ -221,14 +221,14 @@
         </p:spPr>
         <p:txBody>
           <a:bodyPr lIns="0" rIns="0" tIns="0" bIns="0" anchor="ctr">
-            <a:noAutofit/>
+            <a:spAutoFit/>
           </a:bodyPr>
           <a:p>
-            <a:pPr indent="0" algn="ctr">
+            <a:pPr indent="0">
               <a:buNone/>
             </a:pPr>
             <a:r>
-              <a:rPr b="0" lang="en-CA" sz="7790" strike="noStrike" u="none">
+              <a:rPr b="0" lang="en-CA" sz="1800" strike="noStrike" u="none">
                 <a:solidFill>
                   <a:srgbClr val="000000"/>
                 </a:solidFill>
@@ -238,7 +238,7 @@
               </a:rPr>
               <a:t>Click to edit the title text format</a:t>
             </a:r>
-            <a:endParaRPr b="0" lang="en-CA" sz="7790" strike="noStrike" u="none">
+            <a:endParaRPr b="0" lang="en-CA" sz="1800" strike="noStrike" u="none">
               <a:solidFill>
                 <a:srgbClr val="000000"/>
               </a:solidFill>
@@ -256,13 +256,13 @@
             <a:spLocks noGrp="1"/>
           </p:cNvSpPr>
           <p:nvPr>
-            <p:ph type="body"/>
+            <p:ph type="ftr" idx="1"/>
           </p:nvPr>
         </p:nvSpPr>
         <p:spPr>
           <a:xfrm>
-            <a:off x="388080" y="2351880"/>
-            <a:ext cx="6994800" cy="5833440"/>
+            <a:off x="2657160" y="9162000"/>
+            <a:ext cx="2463120" cy="692280"/>
           </a:xfrm>
           <a:prstGeom prst="rect">
             <a:avLst/>
@@ -274,264 +274,17 @@
         </p:spPr>
         <p:txBody>
           <a:bodyPr lIns="0" rIns="0" tIns="0" bIns="0" anchor="t">
-            <a:normAutofit lnSpcReduction="9999"/>
-          </a:bodyPr>
-          <a:p>
-            <a:pPr marL="432000" indent="-324000">
-              <a:spcBef>
-                <a:spcPts val="2500"/>
-              </a:spcBef>
-              <a:buClr>
-                <a:srgbClr val="000000"/>
-              </a:buClr>
-              <a:buSzPct val="45000"/>
-              <a:buFont typeface="Wingdings" charset="2"/>
-              <a:buChar char=""/>
-            </a:pPr>
-            <a:r>
-              <a:rPr b="0" lang="en-CA" sz="5670" strike="noStrike" u="none">
-                <a:solidFill>
-                  <a:srgbClr val="000000"/>
-                </a:solidFill>
-                <a:effectLst/>
-                <a:uFillTx/>
-                <a:latin typeface="Arial"/>
-              </a:rPr>
-              <a:t>Click to edit the outline text format</a:t>
-            </a:r>
-            <a:endParaRPr b="0" lang="en-CA" sz="5670" strike="noStrike" u="none">
-              <a:solidFill>
-                <a:srgbClr val="000000"/>
-              </a:solidFill>
-              <a:effectLst/>
-              <a:uFillTx/>
-              <a:latin typeface="Arial"/>
-            </a:endParaRPr>
-          </a:p>
-          <a:p>
-            <a:pPr lvl="1" marL="864000" indent="-324000">
-              <a:spcBef>
-                <a:spcPts val="2001"/>
-              </a:spcBef>
-              <a:buClr>
-                <a:srgbClr val="000000"/>
-              </a:buClr>
-              <a:buSzPct val="75000"/>
-              <a:buFont typeface="Symbol" charset="2"/>
-              <a:buChar char=""/>
-            </a:pPr>
-            <a:r>
-              <a:rPr b="0" lang="en-CA" sz="4960" strike="noStrike" u="none">
-                <a:solidFill>
-                  <a:srgbClr val="000000"/>
-                </a:solidFill>
-                <a:effectLst/>
-                <a:uFillTx/>
-                <a:latin typeface="Arial"/>
-              </a:rPr>
-              <a:t>Second Outline Level</a:t>
-            </a:r>
-            <a:endParaRPr b="0" lang="en-CA" sz="4960" strike="noStrike" u="none">
-              <a:solidFill>
-                <a:srgbClr val="000000"/>
-              </a:solidFill>
-              <a:effectLst/>
-              <a:uFillTx/>
-              <a:latin typeface="Arial"/>
-            </a:endParaRPr>
-          </a:p>
-          <a:p>
-            <a:pPr lvl="2" marL="1296000" indent="-288000">
-              <a:spcBef>
-                <a:spcPts val="1500"/>
-              </a:spcBef>
-              <a:buClr>
-                <a:srgbClr val="000000"/>
-              </a:buClr>
-              <a:buSzPct val="45000"/>
-              <a:buFont typeface="Wingdings" charset="2"/>
-              <a:buChar char=""/>
-            </a:pPr>
-            <a:r>
-              <a:rPr b="0" lang="en-CA" sz="4250" strike="noStrike" u="none">
-                <a:solidFill>
-                  <a:srgbClr val="000000"/>
-                </a:solidFill>
-                <a:effectLst/>
-                <a:uFillTx/>
-                <a:latin typeface="Arial"/>
-              </a:rPr>
-              <a:t>Third Outline Level</a:t>
-            </a:r>
-            <a:endParaRPr b="0" lang="en-CA" sz="4250" strike="noStrike" u="none">
-              <a:solidFill>
-                <a:srgbClr val="000000"/>
-              </a:solidFill>
-              <a:effectLst/>
-              <a:uFillTx/>
-              <a:latin typeface="Arial"/>
-            </a:endParaRPr>
-          </a:p>
-          <a:p>
-            <a:pPr lvl="3" marL="1728000" indent="-216000">
-              <a:spcBef>
-                <a:spcPts val="989"/>
-              </a:spcBef>
-              <a:buClr>
-                <a:srgbClr val="000000"/>
-              </a:buClr>
-              <a:buSzPct val="75000"/>
-              <a:buFont typeface="Symbol" charset="2"/>
-              <a:buChar char=""/>
-            </a:pPr>
-            <a:r>
-              <a:rPr b="0" lang="en-CA" sz="3540" strike="noStrike" u="none">
-                <a:solidFill>
-                  <a:srgbClr val="000000"/>
-                </a:solidFill>
-                <a:effectLst/>
-                <a:uFillTx/>
-                <a:latin typeface="Arial"/>
-              </a:rPr>
-              <a:t>Fourth Outline Level</a:t>
-            </a:r>
-            <a:endParaRPr b="0" lang="en-CA" sz="3540" strike="noStrike" u="none">
-              <a:solidFill>
-                <a:srgbClr val="000000"/>
-              </a:solidFill>
-              <a:effectLst/>
-              <a:uFillTx/>
-              <a:latin typeface="Arial"/>
-            </a:endParaRPr>
-          </a:p>
-          <a:p>
-            <a:pPr lvl="4" marL="2160000" indent="-216000">
-              <a:spcBef>
-                <a:spcPts val="490"/>
-              </a:spcBef>
-              <a:buClr>
-                <a:srgbClr val="000000"/>
-              </a:buClr>
-              <a:buSzPct val="45000"/>
-              <a:buFont typeface="Wingdings" charset="2"/>
-              <a:buChar char=""/>
-            </a:pPr>
-            <a:r>
-              <a:rPr b="0" lang="en-CA" sz="3540" strike="noStrike" u="none">
-                <a:solidFill>
-                  <a:srgbClr val="000000"/>
-                </a:solidFill>
-                <a:effectLst/>
-                <a:uFillTx/>
-                <a:latin typeface="Arial"/>
-              </a:rPr>
-              <a:t>Fifth Outline Level</a:t>
-            </a:r>
-            <a:endParaRPr b="0" lang="en-CA" sz="3540" strike="noStrike" u="none">
-              <a:solidFill>
-                <a:srgbClr val="000000"/>
-              </a:solidFill>
-              <a:effectLst/>
-              <a:uFillTx/>
-              <a:latin typeface="Arial"/>
-            </a:endParaRPr>
-          </a:p>
-          <a:p>
-            <a:pPr lvl="5" marL="2592000" indent="-216000">
-              <a:spcBef>
-                <a:spcPts val="490"/>
-              </a:spcBef>
-              <a:buClr>
-                <a:srgbClr val="000000"/>
-              </a:buClr>
-              <a:buSzPct val="45000"/>
-              <a:buFont typeface="Wingdings" charset="2"/>
-              <a:buChar char=""/>
-            </a:pPr>
-            <a:r>
-              <a:rPr b="0" lang="en-CA" sz="3540" strike="noStrike" u="none">
-                <a:solidFill>
-                  <a:srgbClr val="000000"/>
-                </a:solidFill>
-                <a:effectLst/>
-                <a:uFillTx/>
-                <a:latin typeface="Arial"/>
-              </a:rPr>
-              <a:t>Sixth Outline Level</a:t>
-            </a:r>
-            <a:endParaRPr b="0" lang="en-CA" sz="3540" strike="noStrike" u="none">
-              <a:solidFill>
-                <a:srgbClr val="000000"/>
-              </a:solidFill>
-              <a:effectLst/>
-              <a:uFillTx/>
-              <a:latin typeface="Arial"/>
-            </a:endParaRPr>
-          </a:p>
-          <a:p>
-            <a:pPr lvl="6" marL="3024000" indent="-216000">
-              <a:spcBef>
-                <a:spcPts val="490"/>
-              </a:spcBef>
-              <a:buClr>
-                <a:srgbClr val="000000"/>
-              </a:buClr>
-              <a:buSzPct val="45000"/>
-              <a:buFont typeface="Wingdings" charset="2"/>
-              <a:buChar char=""/>
-            </a:pPr>
-            <a:r>
-              <a:rPr b="0" lang="en-CA" sz="3540" strike="noStrike" u="none">
-                <a:solidFill>
-                  <a:srgbClr val="000000"/>
-                </a:solidFill>
-                <a:effectLst/>
-                <a:uFillTx/>
-                <a:latin typeface="Arial"/>
-              </a:rPr>
-              <a:t>Seventh Outline Level</a:t>
-            </a:r>
-            <a:endParaRPr b="0" lang="en-CA" sz="3540" strike="noStrike" u="none">
-              <a:solidFill>
-                <a:srgbClr val="000000"/>
-              </a:solidFill>
-              <a:effectLst/>
-              <a:uFillTx/>
-              <a:latin typeface="Arial"/>
-            </a:endParaRPr>
-          </a:p>
-        </p:txBody>
-      </p:sp>
-      <p:sp>
-        <p:nvSpPr>
-          <p:cNvPr id="4" name="PlaceHolder 3"/>
-          <p:cNvSpPr>
-            <a:spLocks noGrp="1"/>
-          </p:cNvSpPr>
-          <p:nvPr>
-            <p:ph type="dt" idx="1"/>
-          </p:nvPr>
-        </p:nvSpPr>
-        <p:spPr>
-          <a:xfrm>
-            <a:off x="388080" y="9162000"/>
-            <a:ext cx="1810440" cy="692640"/>
-          </a:xfrm>
-          <a:prstGeom prst="rect">
-            <a:avLst/>
-          </a:prstGeom>
-          <a:noFill/>
-          <a:ln w="0">
-            <a:noFill/>
-          </a:ln>
-        </p:spPr>
-        <p:txBody>
-          <a:bodyPr lIns="0" rIns="0" tIns="0" bIns="0" anchor="t">
             <a:noAutofit/>
           </a:bodyPr>
           <a:lstStyle>
-            <a:lvl1pPr indent="0">
-              <a:buNone/>
+            <a:lvl1pPr indent="0" algn="ctr">
+              <a:lnSpc>
+                <a:spcPct val="100000"/>
+              </a:lnSpc>
+              <a:buNone/>
+              <a:tabLst>
+                <a:tab algn="l" pos="0"/>
+              </a:tabLst>
               <a:defRPr b="0" lang="en-CA" sz="1400" strike="noStrike" u="none">
                 <a:solidFill>
                   <a:srgbClr val="000000"/>
@@ -543,74 +296,14 @@
             </a:lvl1pPr>
           </a:lstStyle>
           <a:p>
-            <a:pPr indent="0">
-              <a:buNone/>
-            </a:pPr>
-            <a:r>
-              <a:rPr b="0" lang="en-CA" sz="1400" strike="noStrike" u="none">
-                <a:solidFill>
-                  <a:srgbClr val="000000"/>
-                </a:solidFill>
-                <a:effectLst/>
-                <a:uFillTx/>
-                <a:latin typeface="Times New Roman"/>
-              </a:rPr>
-              <a:t>&lt;date/time&gt;</a:t>
-            </a:r>
-            <a:endParaRPr b="0" lang="en-CA" sz="1400" strike="noStrike" u="none">
-              <a:solidFill>
-                <a:srgbClr val="000000"/>
-              </a:solidFill>
-              <a:effectLst/>
-              <a:uFillTx/>
-              <a:latin typeface="Times New Roman"/>
-            </a:endParaRPr>
-          </a:p>
-        </p:txBody>
-      </p:sp>
-      <p:sp>
-        <p:nvSpPr>
-          <p:cNvPr id="5" name="PlaceHolder 4"/>
-          <p:cNvSpPr>
-            <a:spLocks noGrp="1"/>
-          </p:cNvSpPr>
-          <p:nvPr>
-            <p:ph type="ftr" idx="2"/>
-          </p:nvPr>
-        </p:nvSpPr>
-        <p:spPr>
-          <a:xfrm>
-            <a:off x="2657160" y="9162000"/>
-            <a:ext cx="2463480" cy="692640"/>
-          </a:xfrm>
-          <a:prstGeom prst="rect">
-            <a:avLst/>
-          </a:prstGeom>
-          <a:noFill/>
-          <a:ln w="0">
-            <a:noFill/>
-          </a:ln>
-        </p:spPr>
-        <p:txBody>
-          <a:bodyPr lIns="0" rIns="0" tIns="0" bIns="0" anchor="t">
-            <a:noAutofit/>
-          </a:bodyPr>
-          <a:lstStyle>
-            <a:lvl1pPr indent="0" algn="ctr">
-              <a:buNone/>
-              <a:defRPr b="0" lang="en-CA" sz="1400" strike="noStrike" u="none">
-                <a:solidFill>
-                  <a:srgbClr val="000000"/>
-                </a:solidFill>
-                <a:effectLst/>
-                <a:uFillTx/>
-                <a:latin typeface="Times New Roman"/>
-              </a:defRPr>
-            </a:lvl1pPr>
-          </a:lstStyle>
-          <a:p>
             <a:pPr indent="0" algn="ctr">
-              <a:buNone/>
+              <a:lnSpc>
+                <a:spcPct val="100000"/>
+              </a:lnSpc>
+              <a:buNone/>
+              <a:tabLst>
+                <a:tab algn="l" pos="0"/>
+              </a:tabLst>
             </a:pPr>
             <a:r>
               <a:rPr b="0" lang="en-CA" sz="1400" strike="noStrike" u="none">
@@ -636,18 +329,18 @@
       </p:sp>
       <p:sp>
         <p:nvSpPr>
-          <p:cNvPr id="6" name="PlaceHolder 5"/>
-          <p:cNvSpPr>
-            <a:spLocks noGrp="1"/>
-          </p:cNvSpPr>
-          <p:nvPr>
-            <p:ph type="sldNum" idx="3"/>
+          <p:cNvPr id="4" name="PlaceHolder 3"/>
+          <p:cNvSpPr>
+            <a:spLocks noGrp="1"/>
+          </p:cNvSpPr>
+          <p:nvPr>
+            <p:ph type="sldNum" idx="2"/>
           </p:nvPr>
         </p:nvSpPr>
         <p:spPr>
           <a:xfrm>
             <a:off x="5571360" y="9162000"/>
-            <a:ext cx="1810440" cy="692640"/>
+            <a:ext cx="1810080" cy="692280"/>
           </a:xfrm>
           <a:prstGeom prst="rect">
             <a:avLst/>
@@ -663,7 +356,13 @@
           </a:bodyPr>
           <a:lstStyle>
             <a:lvl1pPr indent="0" algn="r">
-              <a:buNone/>
+              <a:lnSpc>
+                <a:spcPct val="100000"/>
+              </a:lnSpc>
+              <a:buNone/>
+              <a:tabLst>
+                <a:tab algn="l" pos="0"/>
+              </a:tabLst>
               <a:defRPr b="0" lang="en-CA" sz="1400" strike="noStrike" u="none">
                 <a:solidFill>
                   <a:srgbClr val="000000"/>
@@ -676,9 +375,15 @@
           </a:lstStyle>
           <a:p>
             <a:pPr indent="0" algn="r">
-              <a:buNone/>
+              <a:lnSpc>
+                <a:spcPct val="100000"/>
+              </a:lnSpc>
+              <a:buNone/>
+              <a:tabLst>
+                <a:tab algn="l" pos="0"/>
+              </a:tabLst>
             </a:pPr>
-            <a:fld id="{46810A59-D496-4D31-8F88-27D9F316F0D6}" type="slidenum">
+            <a:fld id="{C088D97E-F3A9-4F25-8B41-7B6818EBB184}" type="slidenum">
               <a:rPr b="0" lang="en-CA" sz="1400" strike="noStrike" u="none">
                 <a:solidFill>
                   <a:srgbClr val="000000"/>
@@ -689,6 +394,72 @@
               </a:rPr>
               <a:t>&lt;number&gt;</a:t>
             </a:fld>
+            <a:endParaRPr b="0" lang="en-CA" sz="1400" strike="noStrike" u="none">
+              <a:solidFill>
+                <a:srgbClr val="000000"/>
+              </a:solidFill>
+              <a:effectLst/>
+              <a:uFillTx/>
+              <a:latin typeface="Times New Roman"/>
+            </a:endParaRPr>
+          </a:p>
+        </p:txBody>
+      </p:sp>
+      <p:sp>
+        <p:nvSpPr>
+          <p:cNvPr id="5" name="PlaceHolder 4"/>
+          <p:cNvSpPr>
+            <a:spLocks noGrp="1"/>
+          </p:cNvSpPr>
+          <p:nvPr>
+            <p:ph type="dt" idx="3"/>
+          </p:nvPr>
+        </p:nvSpPr>
+        <p:spPr>
+          <a:xfrm>
+            <a:off x="388080" y="9162000"/>
+            <a:ext cx="1810080" cy="692280"/>
+          </a:xfrm>
+          <a:prstGeom prst="rect">
+            <a:avLst/>
+          </a:prstGeom>
+          <a:noFill/>
+          <a:ln w="0">
+            <a:noFill/>
+          </a:ln>
+        </p:spPr>
+        <p:txBody>
+          <a:bodyPr lIns="0" rIns="0" tIns="0" bIns="0" anchor="t">
+            <a:noAutofit/>
+          </a:bodyPr>
+          <a:lstStyle>
+            <a:lvl1pPr indent="0">
+              <a:buNone/>
+              <a:defRPr b="0" lang="en-CA" sz="1400" strike="noStrike" u="none">
+                <a:solidFill>
+                  <a:srgbClr val="000000"/>
+                </a:solidFill>
+                <a:effectLst/>
+                <a:uFillTx/>
+                <a:latin typeface="Times New Roman"/>
+              </a:defRPr>
+            </a:lvl1pPr>
+          </a:lstStyle>
+          <a:p>
+            <a:pPr indent="0">
+              <a:buNone/>
+            </a:pPr>
+            <a:r>
+              <a:rPr b="0" lang="en-CA" sz="1400" strike="noStrike" u="none">
+                <a:solidFill>
+                  <a:srgbClr val="000000"/>
+                </a:solidFill>
+                <a:effectLst/>
+                <a:uFillTx/>
+                <a:latin typeface="Times New Roman"/>
+              </a:rPr>
+              <a:t>&lt;date/time&gt;</a:t>
+            </a:r>
             <a:endParaRPr b="0" lang="en-CA" sz="1400" strike="noStrike" u="none">
               <a:solidFill>
                 <a:srgbClr val="000000"/>
@@ -726,30 +497,6 @@
           <a:chExt cx="0" cy="0"/>
         </a:xfrm>
       </p:grpSpPr>
-      <p:pic>
-        <p:nvPicPr>
-          <p:cNvPr id="9" name="" descr=""/>
-          <p:cNvPicPr/>
-          <p:nvPr/>
-        </p:nvPicPr>
-        <p:blipFill>
-          <a:blip r:embed="rId1"/>
-          <a:stretch/>
-        </p:blipFill>
-        <p:spPr>
-          <a:xfrm>
-            <a:off x="0" y="21960"/>
-            <a:ext cx="7772040" cy="10058040"/>
-          </a:xfrm>
-          <a:prstGeom prst="rect">
-            <a:avLst/>
-          </a:prstGeom>
-          <a:noFill/>
-          <a:ln w="0">
-            <a:noFill/>
-          </a:ln>
-        </p:spPr>
-      </p:pic>
     </p:spTree>
   </p:cSld>
   <mc:AlternateContent>
